--- a/TABLEAU/Kakuma_Food_Distribution_Analysis_Presentation.pptx
+++ b/TABLEAU/Kakuma_Food_Distribution_Analysis_Presentation.pptx
@@ -9,16 +9,15 @@
     <p:sldId id="257" r:id="rId3"/>
     <p:sldId id="258" r:id="rId4"/>
     <p:sldId id="259" r:id="rId5"/>
-    <p:sldId id="260" r:id="rId6"/>
-    <p:sldId id="271" r:id="rId7"/>
-    <p:sldId id="261" r:id="rId8"/>
-    <p:sldId id="263" r:id="rId9"/>
-    <p:sldId id="270" r:id="rId10"/>
-    <p:sldId id="262" r:id="rId11"/>
-    <p:sldId id="264" r:id="rId12"/>
-    <p:sldId id="265" r:id="rId13"/>
-    <p:sldId id="266" r:id="rId14"/>
-    <p:sldId id="267" r:id="rId15"/>
+    <p:sldId id="271" r:id="rId6"/>
+    <p:sldId id="261" r:id="rId7"/>
+    <p:sldId id="263" r:id="rId8"/>
+    <p:sldId id="270" r:id="rId9"/>
+    <p:sldId id="262" r:id="rId10"/>
+    <p:sldId id="264" r:id="rId11"/>
+    <p:sldId id="265" r:id="rId12"/>
+    <p:sldId id="266" r:id="rId13"/>
+    <p:sldId id="267" r:id="rId14"/>
   </p:sldIdLst>
   <p:sldSz cx="9144000" cy="6858000" type="screen4x3"/>
   <p:notesSz cx="6858000" cy="9144000"/>
@@ -315,7 +314,7 @@
           <a:p>
             <a:fld id="{5BCAD085-E8A6-8845-BD4E-CB4CCA059FC4}" type="datetimeFigureOut">
               <a:rPr lang="en-US" smtClean="0"/>
-              <a:t>7/17/2025</a:t>
+              <a:t>7/22/2025</a:t>
             </a:fld>
             <a:endParaRPr lang="en-US"/>
           </a:p>
@@ -483,7 +482,7 @@
           <a:p>
             <a:fld id="{5BCAD085-E8A6-8845-BD4E-CB4CCA059FC4}" type="datetimeFigureOut">
               <a:rPr lang="en-US" smtClean="0"/>
-              <a:t>7/17/2025</a:t>
+              <a:t>7/22/2025</a:t>
             </a:fld>
             <a:endParaRPr lang="en-US"/>
           </a:p>
@@ -661,7 +660,7 @@
           <a:p>
             <a:fld id="{5BCAD085-E8A6-8845-BD4E-CB4CCA059FC4}" type="datetimeFigureOut">
               <a:rPr lang="en-US" smtClean="0"/>
-              <a:t>7/17/2025</a:t>
+              <a:t>7/22/2025</a:t>
             </a:fld>
             <a:endParaRPr lang="en-US"/>
           </a:p>
@@ -829,7 +828,7 @@
           <a:p>
             <a:fld id="{5BCAD085-E8A6-8845-BD4E-CB4CCA059FC4}" type="datetimeFigureOut">
               <a:rPr lang="en-US" smtClean="0"/>
-              <a:t>7/17/2025</a:t>
+              <a:t>7/22/2025</a:t>
             </a:fld>
             <a:endParaRPr lang="en-US"/>
           </a:p>
@@ -1074,7 +1073,7 @@
           <a:p>
             <a:fld id="{5BCAD085-E8A6-8845-BD4E-CB4CCA059FC4}" type="datetimeFigureOut">
               <a:rPr lang="en-US" smtClean="0"/>
-              <a:t>7/17/2025</a:t>
+              <a:t>7/22/2025</a:t>
             </a:fld>
             <a:endParaRPr lang="en-US"/>
           </a:p>
@@ -1359,7 +1358,7 @@
           <a:p>
             <a:fld id="{5BCAD085-E8A6-8845-BD4E-CB4CCA059FC4}" type="datetimeFigureOut">
               <a:rPr lang="en-US" smtClean="0"/>
-              <a:t>7/17/2025</a:t>
+              <a:t>7/22/2025</a:t>
             </a:fld>
             <a:endParaRPr lang="en-US"/>
           </a:p>
@@ -1778,7 +1777,7 @@
           <a:p>
             <a:fld id="{5BCAD085-E8A6-8845-BD4E-CB4CCA059FC4}" type="datetimeFigureOut">
               <a:rPr lang="en-US" smtClean="0"/>
-              <a:t>7/17/2025</a:t>
+              <a:t>7/22/2025</a:t>
             </a:fld>
             <a:endParaRPr lang="en-US"/>
           </a:p>
@@ -1895,7 +1894,7 @@
           <a:p>
             <a:fld id="{5BCAD085-E8A6-8845-BD4E-CB4CCA059FC4}" type="datetimeFigureOut">
               <a:rPr lang="en-US" smtClean="0"/>
-              <a:t>7/17/2025</a:t>
+              <a:t>7/22/2025</a:t>
             </a:fld>
             <a:endParaRPr lang="en-US"/>
           </a:p>
@@ -1990,7 +1989,7 @@
           <a:p>
             <a:fld id="{5BCAD085-E8A6-8845-BD4E-CB4CCA059FC4}" type="datetimeFigureOut">
               <a:rPr lang="en-US" smtClean="0"/>
-              <a:t>7/17/2025</a:t>
+              <a:t>7/22/2025</a:t>
             </a:fld>
             <a:endParaRPr lang="en-US"/>
           </a:p>
@@ -2265,7 +2264,7 @@
           <a:p>
             <a:fld id="{5BCAD085-E8A6-8845-BD4E-CB4CCA059FC4}" type="datetimeFigureOut">
               <a:rPr lang="en-US" smtClean="0"/>
-              <a:t>7/17/2025</a:t>
+              <a:t>7/22/2025</a:t>
             </a:fld>
             <a:endParaRPr lang="en-US"/>
           </a:p>
@@ -2517,7 +2516,7 @@
           <a:p>
             <a:fld id="{5BCAD085-E8A6-8845-BD4E-CB4CCA059FC4}" type="datetimeFigureOut">
               <a:rPr lang="en-US" smtClean="0"/>
-              <a:t>7/17/2025</a:t>
+              <a:t>7/22/2025</a:t>
             </a:fld>
             <a:endParaRPr lang="en-US"/>
           </a:p>
@@ -2728,7 +2727,7 @@
           <a:p>
             <a:fld id="{5BCAD085-E8A6-8845-BD4E-CB4CCA059FC4}" type="datetimeFigureOut">
               <a:rPr lang="en-US" smtClean="0"/>
-              <a:t>7/17/2025</a:t>
+              <a:t>7/22/2025</a:t>
             </a:fld>
             <a:endParaRPr lang="en-US"/>
           </a:p>
@@ -3115,10 +3114,15 @@
         </p:nvSpPr>
         <p:spPr/>
         <p:txBody>
-          <a:bodyPr/>
-          <a:lstStyle/>
-          <a:p>
-            <a:r>
+          <a:bodyPr>
+            <a:normAutofit fontScale="90000"/>
+          </a:bodyPr>
+          <a:lstStyle/>
+          <a:p>
+            <a:r>
+              <a:rPr dirty="0">
+                <a:latin typeface="Algerian" panose="04020705040A02060702" pitchFamily="82" charset="0"/>
+              </a:rPr>
               <a:t>Kakuma Food Distribution Analysis</a:t>
             </a:r>
           </a:p>
@@ -3134,41 +3138,66 @@
             <p:ph idx="1"/>
           </p:nvPr>
         </p:nvSpPr>
-        <p:spPr/>
-        <p:txBody>
-          <a:bodyPr/>
-          <a:lstStyle/>
-          <a:p>
-            <a:r>
-              <a:rPr lang="en-US" dirty="0"/>
+        <p:spPr>
+          <a:xfrm>
+            <a:off x="457200" y="1600200"/>
+            <a:ext cx="8229600" cy="3070123"/>
+          </a:xfrm>
+        </p:spPr>
+        <p:txBody>
+          <a:bodyPr>
+            <a:normAutofit/>
+          </a:bodyPr>
+          <a:lstStyle/>
+          <a:p>
+            <a:r>
+              <a:rPr lang="en-US" sz="2800" dirty="0">
+                <a:latin typeface="Times New Roman" panose="02020603050405020304" pitchFamily="18" charset="0"/>
+                <a:cs typeface="Times New Roman" panose="02020603050405020304" pitchFamily="18" charset="0"/>
+              </a:rPr>
               <a:t>Name: Akau Bior </a:t>
             </a:r>
           </a:p>
           <a:p>
             <a:r>
-              <a:rPr lang="en-US" dirty="0"/>
-              <a:t>Course: Data Analytics</a:t>
-            </a:r>
-          </a:p>
-          <a:p>
-            <a:r>
-              <a:rPr lang="en-US" dirty="0"/>
+              <a:rPr lang="en-US" sz="2800" dirty="0">
+                <a:latin typeface="Times New Roman" panose="02020603050405020304" pitchFamily="18" charset="0"/>
+                <a:cs typeface="Times New Roman" panose="02020603050405020304" pitchFamily="18" charset="0"/>
+              </a:rPr>
+              <a:t>Course: Data analytics</a:t>
+            </a:r>
+          </a:p>
+          <a:p>
+            <a:r>
+              <a:rPr lang="en-US" sz="2800" dirty="0">
+                <a:latin typeface="Times New Roman" panose="02020603050405020304" pitchFamily="18" charset="0"/>
+                <a:cs typeface="Times New Roman" panose="02020603050405020304" pitchFamily="18" charset="0"/>
+              </a:rPr>
               <a:t>Date: 17/7/2025</a:t>
             </a:r>
           </a:p>
           <a:p>
             <a:r>
-              <a:rPr dirty="0"/>
+              <a:rPr sz="2800" dirty="0">
+                <a:latin typeface="Times New Roman" panose="02020603050405020304" pitchFamily="18" charset="0"/>
+                <a:cs typeface="Times New Roman" panose="02020603050405020304" pitchFamily="18" charset="0"/>
+              </a:rPr>
               <a:t>Capstone Project Presentation</a:t>
             </a:r>
-            <a:endParaRPr lang="en-US" dirty="0"/>
+            <a:endParaRPr lang="en-US" sz="2800" dirty="0">
+              <a:latin typeface="Times New Roman" panose="02020603050405020304" pitchFamily="18" charset="0"/>
+              <a:cs typeface="Times New Roman" panose="02020603050405020304" pitchFamily="18" charset="0"/>
+            </a:endParaRPr>
           </a:p>
           <a:p>
             <a:pPr marL="0" indent="0">
               <a:buNone/>
             </a:pPr>
             <a:r>
-              <a:rPr lang="en-US" dirty="0"/>
+              <a:rPr lang="en-US" sz="2800" dirty="0">
+                <a:latin typeface="Times New Roman" panose="02020603050405020304" pitchFamily="18" charset="0"/>
+                <a:cs typeface="Times New Roman" panose="02020603050405020304" pitchFamily="18" charset="0"/>
+              </a:rPr>
               <a:t>⚠️ Disclaimer: Data is fictional and for academic use.</a:t>
             </a:r>
           </a:p>
@@ -3176,7 +3205,10 @@
             <a:pPr marL="0" indent="0">
               <a:buNone/>
             </a:pPr>
-            <a:endParaRPr dirty="0"/>
+            <a:endParaRPr sz="2800" dirty="0">
+              <a:latin typeface="Times New Roman" panose="02020603050405020304" pitchFamily="18" charset="0"/>
+              <a:cs typeface="Times New Roman" panose="02020603050405020304" pitchFamily="18" charset="0"/>
+            </a:endParaRPr>
           </a:p>
         </p:txBody>
       </p:sp>
@@ -3215,39 +3247,34 @@
             <p:ph type="title"/>
           </p:nvPr>
         </p:nvSpPr>
+        <p:spPr/>
+        <p:txBody>
+          <a:bodyPr/>
+          <a:lstStyle/>
+          <a:p>
+            <a:r>
+              <a:rPr dirty="0">
+                <a:latin typeface="Algerian" panose="04020705040A02060702" pitchFamily="82" charset="0"/>
+              </a:rPr>
+              <a:t>Food Type Analysis</a:t>
+            </a:r>
+          </a:p>
+        </p:txBody>
+      </p:sp>
+      <p:sp>
+        <p:nvSpPr>
+          <p:cNvPr id="3" name="Content Placeholder 2"/>
+          <p:cNvSpPr>
+            <a:spLocks noGrp="1"/>
+          </p:cNvSpPr>
+          <p:nvPr>
+            <p:ph idx="1"/>
+          </p:nvPr>
+        </p:nvSpPr>
         <p:spPr>
           <a:xfrm>
-            <a:off x="103239" y="530942"/>
-            <a:ext cx="4704735" cy="846239"/>
-          </a:xfrm>
-        </p:spPr>
-        <p:txBody>
-          <a:bodyPr>
-            <a:normAutofit fontScale="90000"/>
-          </a:bodyPr>
-          <a:lstStyle/>
-          <a:p>
-            <a:r>
-              <a:rPr dirty="0"/>
-              <a:t>Food Distribution by Zone</a:t>
-            </a:r>
-          </a:p>
-        </p:txBody>
-      </p:sp>
-      <p:sp>
-        <p:nvSpPr>
-          <p:cNvPr id="3" name="Content Placeholder 2"/>
-          <p:cNvSpPr>
-            <a:spLocks noGrp="1"/>
-          </p:cNvSpPr>
-          <p:nvPr>
-            <p:ph idx="1"/>
-          </p:nvPr>
-        </p:nvSpPr>
-        <p:spPr>
-          <a:xfrm>
-            <a:off x="457200" y="3591232"/>
-            <a:ext cx="3406877" cy="2735826"/>
+            <a:off x="457200" y="4114800"/>
+            <a:ext cx="8229600" cy="2011363"/>
           </a:xfrm>
         </p:spPr>
         <p:txBody>
@@ -3256,24 +3283,76 @@
           </a:bodyPr>
           <a:lstStyle/>
           <a:p>
-            <a:r>
-              <a:rPr sz="1800" dirty="0"/>
-              <a:t>Bar Chart: Zone vs Quantity</a:t>
-            </a:r>
-          </a:p>
-          <a:p>
-            <a:r>
-              <a:rPr sz="1800" dirty="0"/>
-              <a:t>Insight: </a:t>
-            </a:r>
-            <a:r>
-              <a:rPr lang="en-US" sz="1800" dirty="0"/>
-              <a:t>I found out that Kakuma one and four get more food and that is probably because of their higher population.</a:t>
-            </a:r>
-            <a:endParaRPr sz="1800" dirty="0"/>
-          </a:p>
-        </p:txBody>
-      </p:sp>
+            <a:endParaRPr lang="en-US" sz="2000" dirty="0">
+              <a:latin typeface="Times New Roman" panose="02020603050405020304" pitchFamily="18" charset="0"/>
+              <a:cs typeface="Times New Roman" panose="02020603050405020304" pitchFamily="18" charset="0"/>
+            </a:endParaRPr>
+          </a:p>
+          <a:p>
+            <a:endParaRPr lang="en-US" sz="2000" dirty="0">
+              <a:latin typeface="Times New Roman" panose="02020603050405020304" pitchFamily="18" charset="0"/>
+              <a:cs typeface="Times New Roman" panose="02020603050405020304" pitchFamily="18" charset="0"/>
+            </a:endParaRPr>
+          </a:p>
+          <a:p>
+            <a:endParaRPr lang="en-US" sz="2000" dirty="0">
+              <a:latin typeface="Times New Roman" panose="02020603050405020304" pitchFamily="18" charset="0"/>
+              <a:cs typeface="Times New Roman" panose="02020603050405020304" pitchFamily="18" charset="0"/>
+            </a:endParaRPr>
+          </a:p>
+          <a:p>
+            <a:r>
+              <a:rPr lang="en-US" sz="2000" dirty="0">
+                <a:latin typeface="Times New Roman" panose="02020603050405020304" pitchFamily="18" charset="0"/>
+                <a:cs typeface="Times New Roman" panose="02020603050405020304" pitchFamily="18" charset="0"/>
+              </a:rPr>
+              <a:t>I deduced that Kakuma 1 and Kakuma 4 get more ration due to their soaring population.</a:t>
+            </a:r>
+          </a:p>
+          <a:p>
+            <a:endParaRPr lang="en-US" sz="2000" dirty="0">
+              <a:latin typeface="Times New Roman" panose="02020603050405020304" pitchFamily="18" charset="0"/>
+              <a:cs typeface="Times New Roman" panose="02020603050405020304" pitchFamily="18" charset="0"/>
+            </a:endParaRPr>
+          </a:p>
+          <a:p>
+            <a:endParaRPr sz="2000" dirty="0">
+              <a:latin typeface="Times New Roman" panose="02020603050405020304" pitchFamily="18" charset="0"/>
+              <a:cs typeface="Times New Roman" panose="02020603050405020304" pitchFamily="18" charset="0"/>
+            </a:endParaRPr>
+          </a:p>
+        </p:txBody>
+      </p:sp>
+      <p:pic>
+        <p:nvPicPr>
+          <p:cNvPr id="4" name="Picture 3">
+            <a:extLst>
+              <a:ext uri="{FF2B5EF4-FFF2-40B4-BE49-F238E27FC236}">
+                <a16:creationId xmlns:a16="http://schemas.microsoft.com/office/drawing/2014/main" id="{FC98CF27-B475-251E-4068-97494B93AE3B}"/>
+              </a:ext>
+            </a:extLst>
+          </p:cNvPr>
+          <p:cNvPicPr>
+            <a:picLocks noChangeAspect="1"/>
+          </p:cNvPicPr>
+          <p:nvPr/>
+        </p:nvPicPr>
+        <p:blipFill>
+          <a:blip r:embed="rId2"/>
+          <a:stretch>
+            <a:fillRect/>
+          </a:stretch>
+        </p:blipFill>
+        <p:spPr>
+          <a:xfrm>
+            <a:off x="855407" y="1417639"/>
+            <a:ext cx="7570838" cy="3901614"/>
+          </a:xfrm>
+          <a:prstGeom prst="rect">
+            <a:avLst/>
+          </a:prstGeom>
+        </p:spPr>
+      </p:pic>
     </p:spTree>
   </p:cSld>
   <p:clrMapOvr>
@@ -3315,7 +3394,10 @@
           <a:lstStyle/>
           <a:p>
             <a:r>
-              <a:t>Food Type Analysis</a:t>
+              <a:rPr dirty="0">
+                <a:latin typeface="Algerian" panose="04020705040A02060702" pitchFamily="82" charset="0"/>
+              </a:rPr>
+              <a:t>Inefficiencies &amp; Gaps</a:t>
             </a:r>
           </a:p>
         </p:txBody>
@@ -3330,31 +3412,47 @@
             <p:ph idx="1"/>
           </p:nvPr>
         </p:nvSpPr>
-        <p:spPr/>
-        <p:txBody>
-          <a:bodyPr/>
-          <a:lstStyle/>
-          <a:p>
-            <a:r>
-              <a:rPr dirty="0"/>
-              <a:t>Donut Chart</a:t>
-            </a:r>
-            <a:r>
-              <a:rPr lang="en-US" dirty="0"/>
-              <a:t>: Ration amount by zone.</a:t>
-            </a:r>
-          </a:p>
-          <a:p>
-            <a:r>
-              <a:rPr lang="en-US" dirty="0"/>
-              <a:t>I deduced that Kakuma 1 and Kakuma 4 get more ration due to their soaring population.</a:t>
-            </a:r>
-          </a:p>
-          <a:p>
-            <a:endParaRPr lang="en-US" dirty="0"/>
-          </a:p>
-          <a:p>
-            <a:endParaRPr dirty="0"/>
+        <p:spPr>
+          <a:xfrm>
+            <a:off x="457200" y="1600201"/>
+            <a:ext cx="8229600" cy="2146852"/>
+          </a:xfrm>
+        </p:spPr>
+        <p:txBody>
+          <a:bodyPr>
+            <a:normAutofit/>
+          </a:bodyPr>
+          <a:lstStyle/>
+          <a:p>
+            <a:r>
+              <a:rPr sz="2800" dirty="0">
+                <a:latin typeface="Times New Roman" panose="02020603050405020304" pitchFamily="18" charset="0"/>
+                <a:cs typeface="Times New Roman" panose="02020603050405020304" pitchFamily="18" charset="0"/>
+              </a:rPr>
+              <a:t> High population, low supply zones.</a:t>
+            </a:r>
+          </a:p>
+          <a:p>
+            <a:r>
+              <a:rPr sz="2800" dirty="0">
+                <a:latin typeface="Times New Roman" panose="02020603050405020304" pitchFamily="18" charset="0"/>
+                <a:cs typeface="Times New Roman" panose="02020603050405020304" pitchFamily="18" charset="0"/>
+              </a:rPr>
+              <a:t> Irregular household allocations.</a:t>
+            </a:r>
+            <a:endParaRPr lang="en-US" sz="2800" dirty="0">
+              <a:latin typeface="Times New Roman" panose="02020603050405020304" pitchFamily="18" charset="0"/>
+              <a:cs typeface="Times New Roman" panose="02020603050405020304" pitchFamily="18" charset="0"/>
+            </a:endParaRPr>
+          </a:p>
+          <a:p>
+            <a:r>
+              <a:rPr sz="2800" dirty="0">
+                <a:latin typeface="Times New Roman" panose="02020603050405020304" pitchFamily="18" charset="0"/>
+                <a:cs typeface="Times New Roman" panose="02020603050405020304" pitchFamily="18" charset="0"/>
+              </a:rPr>
+              <a:t>Need for better tracking &amp; planning.</a:t>
+            </a:r>
           </a:p>
         </p:txBody>
       </p:sp>
@@ -3399,7 +3497,10 @@
           <a:lstStyle/>
           <a:p>
             <a:r>
-              <a:t>Inefficiencies &amp; Gaps</a:t>
+              <a:rPr dirty="0">
+                <a:latin typeface="Algerian" panose="04020705040A02060702" pitchFamily="82" charset="0"/>
+              </a:rPr>
+              <a:t>Recommendations</a:t>
             </a:r>
           </a:p>
         </p:txBody>
@@ -3414,27 +3515,51 @@
             <p:ph idx="1"/>
           </p:nvPr>
         </p:nvSpPr>
-        <p:spPr/>
-        <p:txBody>
-          <a:bodyPr/>
-          <a:lstStyle/>
-          <a:p>
-            <a:r>
-              <a:rPr dirty="0"/>
-              <a:t> High population, low supply zones.</a:t>
-            </a:r>
-          </a:p>
-          <a:p>
-            <a:r>
-              <a:rPr dirty="0"/>
-              <a:t> Irregular household allocations.</a:t>
-            </a:r>
-            <a:endParaRPr lang="en-US" dirty="0"/>
-          </a:p>
-          <a:p>
-            <a:r>
-              <a:rPr dirty="0"/>
-              <a:t>Need for better tracking &amp; planning.</a:t>
+        <p:spPr>
+          <a:xfrm>
+            <a:off x="457200" y="1600200"/>
+            <a:ext cx="8229600" cy="2504661"/>
+          </a:xfrm>
+        </p:spPr>
+        <p:txBody>
+          <a:bodyPr>
+            <a:normAutofit/>
+          </a:bodyPr>
+          <a:lstStyle/>
+          <a:p>
+            <a:pPr marL="0" indent="0">
+              <a:buNone/>
+            </a:pPr>
+            <a:r>
+              <a:rPr sz="2800" dirty="0">
+                <a:latin typeface="Times New Roman" panose="02020603050405020304" pitchFamily="18" charset="0"/>
+                <a:cs typeface="Times New Roman" panose="02020603050405020304" pitchFamily="18" charset="0"/>
+              </a:rPr>
+              <a:t>• Distribute based on household size.</a:t>
+            </a:r>
+          </a:p>
+          <a:p>
+            <a:pPr marL="0" indent="0">
+              <a:buNone/>
+            </a:pPr>
+            <a:r>
+              <a:rPr sz="2800" dirty="0">
+                <a:latin typeface="Times New Roman" panose="02020603050405020304" pitchFamily="18" charset="0"/>
+                <a:cs typeface="Times New Roman" panose="02020603050405020304" pitchFamily="18" charset="0"/>
+              </a:rPr>
+              <a:t>• Track distribution more closely.</a:t>
+            </a:r>
+          </a:p>
+          <a:p>
+            <a:pPr marL="0" indent="0">
+              <a:buNone/>
+            </a:pPr>
+            <a:r>
+              <a:rPr sz="2800" dirty="0">
+                <a:latin typeface="Times New Roman" panose="02020603050405020304" pitchFamily="18" charset="0"/>
+                <a:cs typeface="Times New Roman" panose="02020603050405020304" pitchFamily="18" charset="0"/>
+              </a:rPr>
+              <a:t>• Gather community feedback regularly.</a:t>
             </a:r>
           </a:p>
         </p:txBody>
@@ -3480,7 +3605,10 @@
           <a:lstStyle/>
           <a:p>
             <a:r>
-              <a:t>Recommendations</a:t>
+              <a:rPr dirty="0">
+                <a:latin typeface="Algerian" panose="04020705040A02060702" pitchFamily="82" charset="0"/>
+              </a:rPr>
+              <a:t>Conclusion</a:t>
             </a:r>
           </a:p>
         </p:txBody>
@@ -3495,111 +3623,121 @@
             <p:ph idx="1"/>
           </p:nvPr>
         </p:nvSpPr>
-        <p:spPr/>
-        <p:txBody>
-          <a:bodyPr/>
-          <a:lstStyle/>
-          <a:p>
-            <a:r>
-              <a:rPr dirty="0"/>
-              <a:t>• Distribute based on household size.</a:t>
-            </a:r>
-          </a:p>
-          <a:p>
-            <a:r>
-              <a:rPr dirty="0"/>
-              <a:t>• Track distribution more closely.</a:t>
-            </a:r>
-          </a:p>
-          <a:p>
-            <a:r>
-              <a:rPr dirty="0"/>
-              <a:t>• Gather community feedback regularly.</a:t>
-            </a:r>
-          </a:p>
-        </p:txBody>
-      </p:sp>
-    </p:spTree>
-  </p:cSld>
-  <p:clrMapOvr>
-    <a:masterClrMapping/>
-  </p:clrMapOvr>
-</p:sld>
-</file>
-
-<file path=ppt/slides/slide14.xml><?xml version="1.0" encoding="utf-8"?>
-<p:sld xmlns:a="http://schemas.openxmlformats.org/drawingml/2006/main" xmlns:r="http://schemas.openxmlformats.org/officeDocument/2006/relationships" xmlns:p="http://schemas.openxmlformats.org/presentationml/2006/main">
-  <p:cSld>
-    <p:spTree>
-      <p:nvGrpSpPr>
-        <p:cNvPr id="1" name=""/>
-        <p:cNvGrpSpPr/>
-        <p:nvPr/>
-      </p:nvGrpSpPr>
-      <p:grpSpPr>
-        <a:xfrm>
-          <a:off x="0" y="0"/>
-          <a:ext cx="0" cy="0"/>
-          <a:chOff x="0" y="0"/>
-          <a:chExt cx="0" cy="0"/>
-        </a:xfrm>
-      </p:grpSpPr>
-      <p:sp>
-        <p:nvSpPr>
-          <p:cNvPr id="2" name="Title 1"/>
-          <p:cNvSpPr>
-            <a:spLocks noGrp="1"/>
-          </p:cNvSpPr>
-          <p:nvPr>
-            <p:ph type="title"/>
-          </p:nvPr>
-        </p:nvSpPr>
-        <p:spPr/>
-        <p:txBody>
-          <a:bodyPr/>
-          <a:lstStyle/>
-          <a:p>
-            <a:r>
-              <a:t>Conclusion</a:t>
-            </a:r>
-          </a:p>
-        </p:txBody>
-      </p:sp>
-      <p:sp>
-        <p:nvSpPr>
-          <p:cNvPr id="3" name="Content Placeholder 2"/>
-          <p:cNvSpPr>
-            <a:spLocks noGrp="1"/>
-          </p:cNvSpPr>
-          <p:nvPr>
-            <p:ph idx="1"/>
-          </p:nvPr>
-        </p:nvSpPr>
-        <p:spPr/>
-        <p:txBody>
-          <a:bodyPr/>
-          <a:lstStyle/>
-          <a:p>
-            <a:r>
-              <a:rPr dirty="0"/>
-              <a:t> Data reveals disparities.</a:t>
-            </a:r>
-          </a:p>
-          <a:p>
-            <a:r>
-              <a:rPr dirty="0"/>
-              <a:t>Continuous monitoring is essential.</a:t>
-            </a:r>
-            <a:endParaRPr lang="en-US" dirty="0"/>
-          </a:p>
-          <a:p>
-            <a:r>
-              <a:rPr lang="en-US" dirty="0"/>
-              <a:t>Analytics help humanitarian decisions.</a:t>
-            </a:r>
-          </a:p>
-          <a:p>
-            <a:endParaRPr dirty="0"/>
+        <p:spPr>
+          <a:xfrm>
+            <a:off x="457200" y="1600200"/>
+            <a:ext cx="8229600" cy="3925957"/>
+          </a:xfrm>
+        </p:spPr>
+        <p:txBody>
+          <a:bodyPr>
+            <a:normAutofit/>
+          </a:bodyPr>
+          <a:lstStyle/>
+          <a:p>
+            <a:r>
+              <a:rPr lang="en-US" sz="2800" dirty="0">
+                <a:latin typeface="Times New Roman" panose="02020603050405020304" pitchFamily="18" charset="0"/>
+                <a:cs typeface="Times New Roman" panose="02020603050405020304" pitchFamily="18" charset="0"/>
+              </a:rPr>
+              <a:t>Kakuma faces </a:t>
+            </a:r>
+            <a:r>
+              <a:rPr lang="en-US" sz="2800" b="1" dirty="0">
+                <a:latin typeface="Times New Roman" panose="02020603050405020304" pitchFamily="18" charset="0"/>
+                <a:cs typeface="Times New Roman" panose="02020603050405020304" pitchFamily="18" charset="0"/>
+              </a:rPr>
+              <a:t>high population pressure</a:t>
+            </a:r>
+            <a:r>
+              <a:rPr lang="en-US" sz="2800" dirty="0">
+                <a:latin typeface="Times New Roman" panose="02020603050405020304" pitchFamily="18" charset="0"/>
+                <a:cs typeface="Times New Roman" panose="02020603050405020304" pitchFamily="18" charset="0"/>
+              </a:rPr>
+              <a:t> with </a:t>
+            </a:r>
+            <a:r>
+              <a:rPr lang="en-US" sz="2800" b="1" dirty="0">
+                <a:latin typeface="Times New Roman" panose="02020603050405020304" pitchFamily="18" charset="0"/>
+                <a:cs typeface="Times New Roman" panose="02020603050405020304" pitchFamily="18" charset="0"/>
+              </a:rPr>
+              <a:t>limited food supply</a:t>
+            </a:r>
+            <a:r>
+              <a:rPr lang="en-US" sz="2800" dirty="0">
+                <a:latin typeface="Times New Roman" panose="02020603050405020304" pitchFamily="18" charset="0"/>
+                <a:cs typeface="Times New Roman" panose="02020603050405020304" pitchFamily="18" charset="0"/>
+              </a:rPr>
+              <a:t> zones.</a:t>
+            </a:r>
+          </a:p>
+          <a:p>
+            <a:r>
+              <a:rPr lang="en-US" sz="2800" b="1" dirty="0">
+                <a:latin typeface="Times New Roman" panose="02020603050405020304" pitchFamily="18" charset="0"/>
+                <a:cs typeface="Times New Roman" panose="02020603050405020304" pitchFamily="18" charset="0"/>
+              </a:rPr>
+              <a:t>Household allocations are irregular</a:t>
+            </a:r>
+            <a:r>
+              <a:rPr lang="en-US" sz="2800" dirty="0">
+                <a:latin typeface="Times New Roman" panose="02020603050405020304" pitchFamily="18" charset="0"/>
+                <a:cs typeface="Times New Roman" panose="02020603050405020304" pitchFamily="18" charset="0"/>
+              </a:rPr>
+              <a:t>, causing unfair distribution.</a:t>
+            </a:r>
+          </a:p>
+          <a:p>
+            <a:r>
+              <a:rPr lang="en-US" sz="2800" dirty="0">
+                <a:latin typeface="Times New Roman" panose="02020603050405020304" pitchFamily="18" charset="0"/>
+                <a:cs typeface="Times New Roman" panose="02020603050405020304" pitchFamily="18" charset="0"/>
+              </a:rPr>
+              <a:t>There's a </a:t>
+            </a:r>
+            <a:r>
+              <a:rPr lang="en-US" sz="2800" b="1" dirty="0">
+                <a:latin typeface="Times New Roman" panose="02020603050405020304" pitchFamily="18" charset="0"/>
+                <a:cs typeface="Times New Roman" panose="02020603050405020304" pitchFamily="18" charset="0"/>
+              </a:rPr>
+              <a:t>need for better tracking and planning</a:t>
+            </a:r>
+            <a:r>
+              <a:rPr lang="en-US" sz="2800" dirty="0">
+                <a:latin typeface="Times New Roman" panose="02020603050405020304" pitchFamily="18" charset="0"/>
+                <a:cs typeface="Times New Roman" panose="02020603050405020304" pitchFamily="18" charset="0"/>
+              </a:rPr>
+              <a:t> systems.</a:t>
+            </a:r>
+          </a:p>
+          <a:p>
+            <a:r>
+              <a:rPr lang="en-US" sz="2800" dirty="0">
+                <a:latin typeface="Times New Roman" panose="02020603050405020304" pitchFamily="18" charset="0"/>
+                <a:cs typeface="Times New Roman" panose="02020603050405020304" pitchFamily="18" charset="0"/>
+              </a:rPr>
+              <a:t>Improving these areas will lead to </a:t>
+            </a:r>
+            <a:r>
+              <a:rPr lang="en-US" sz="2800" b="1" dirty="0">
+                <a:latin typeface="Times New Roman" panose="02020603050405020304" pitchFamily="18" charset="0"/>
+                <a:cs typeface="Times New Roman" panose="02020603050405020304" pitchFamily="18" charset="0"/>
+              </a:rPr>
+              <a:t>fairer and more efficient food distribution</a:t>
+            </a:r>
+            <a:r>
+              <a:rPr lang="en-US" sz="2800" dirty="0">
+                <a:latin typeface="Times New Roman" panose="02020603050405020304" pitchFamily="18" charset="0"/>
+                <a:cs typeface="Times New Roman" panose="02020603050405020304" pitchFamily="18" charset="0"/>
+              </a:rPr>
+              <a:t>.</a:t>
+            </a:r>
+          </a:p>
+          <a:p>
+            <a:endParaRPr sz="2800" dirty="0">
+              <a:latin typeface="Times New Roman" panose="02020603050405020304" pitchFamily="18" charset="0"/>
+              <a:cs typeface="Times New Roman" panose="02020603050405020304" pitchFamily="18" charset="0"/>
+            </a:endParaRPr>
           </a:p>
         </p:txBody>
       </p:sp>
@@ -3644,7 +3782,9 @@
           <a:lstStyle/>
           <a:p>
             <a:r>
-              <a:rPr dirty="0"/>
+              <a:rPr dirty="0">
+                <a:latin typeface="Algerian" panose="04020705040A02060702" pitchFamily="82" charset="0"/>
+              </a:rPr>
               <a:t>Introduction</a:t>
             </a:r>
           </a:p>
@@ -3663,7 +3803,7 @@
         <p:spPr/>
         <p:txBody>
           <a:bodyPr>
-            <a:normAutofit fontScale="92500"/>
+            <a:normAutofit/>
           </a:bodyPr>
           <a:lstStyle/>
           <a:p>
@@ -3671,36 +3811,57 @@
               <a:buNone/>
             </a:pPr>
             <a:r>
-              <a:rPr dirty="0"/>
+              <a:rPr dirty="0">
+                <a:latin typeface="Times New Roman" panose="02020603050405020304" pitchFamily="18" charset="0"/>
+                <a:cs typeface="Times New Roman" panose="02020603050405020304" pitchFamily="18" charset="0"/>
+              </a:rPr>
               <a:t>• Kakuma Refugee Camp hosts thousands of displaced people.</a:t>
             </a:r>
           </a:p>
           <a:p>
             <a:r>
-              <a:rPr dirty="0"/>
+              <a:rPr dirty="0">
+                <a:latin typeface="Times New Roman" panose="02020603050405020304" pitchFamily="18" charset="0"/>
+                <a:cs typeface="Times New Roman" panose="02020603050405020304" pitchFamily="18" charset="0"/>
+              </a:rPr>
               <a:t> Food distribution is critical to support welfare.</a:t>
             </a:r>
-            <a:endParaRPr lang="en-US" dirty="0"/>
-          </a:p>
-          <a:p>
-            <a:r>
-              <a:rPr lang="en-US" dirty="0"/>
+            <a:endParaRPr lang="en-US" dirty="0">
+              <a:latin typeface="Times New Roman" panose="02020603050405020304" pitchFamily="18" charset="0"/>
+              <a:cs typeface="Times New Roman" panose="02020603050405020304" pitchFamily="18" charset="0"/>
+            </a:endParaRPr>
+          </a:p>
+          <a:p>
+            <a:r>
+              <a:rPr lang="en-US" dirty="0">
+                <a:latin typeface="Times New Roman" panose="02020603050405020304" pitchFamily="18" charset="0"/>
+                <a:cs typeface="Times New Roman" panose="02020603050405020304" pitchFamily="18" charset="0"/>
+              </a:rPr>
               <a:t>Kakuma experiences the problem of ration insufficiency.</a:t>
             </a:r>
           </a:p>
           <a:p>
             <a:r>
-              <a:rPr lang="en-US" dirty="0"/>
+              <a:rPr lang="en-US" dirty="0">
+                <a:latin typeface="Times New Roman" panose="02020603050405020304" pitchFamily="18" charset="0"/>
+                <a:cs typeface="Times New Roman" panose="02020603050405020304" pitchFamily="18" charset="0"/>
+              </a:rPr>
               <a:t>Ration is distributed at the end of every month.</a:t>
             </a:r>
-            <a:endParaRPr dirty="0"/>
+            <a:endParaRPr dirty="0">
+              <a:latin typeface="Times New Roman" panose="02020603050405020304" pitchFamily="18" charset="0"/>
+              <a:cs typeface="Times New Roman" panose="02020603050405020304" pitchFamily="18" charset="0"/>
+            </a:endParaRPr>
           </a:p>
           <a:p>
             <a:pPr marL="0" indent="0">
               <a:buNone/>
             </a:pPr>
             <a:r>
-              <a:rPr dirty="0"/>
+              <a:rPr dirty="0">
+                <a:latin typeface="Times New Roman" panose="02020603050405020304" pitchFamily="18" charset="0"/>
+                <a:cs typeface="Times New Roman" panose="02020603050405020304" pitchFamily="18" charset="0"/>
+              </a:rPr>
               <a:t>• Project analyzes trends using a simulated dataset.</a:t>
             </a:r>
           </a:p>
@@ -3741,7 +3902,12 @@
             <p:ph type="title"/>
           </p:nvPr>
         </p:nvSpPr>
-        <p:spPr/>
+        <p:spPr>
+          <a:xfrm>
+            <a:off x="457200" y="274638"/>
+            <a:ext cx="8229600" cy="679091"/>
+          </a:xfrm>
+        </p:spPr>
         <p:txBody>
           <a:bodyPr>
             <a:normAutofit/>
@@ -3749,7 +3915,10 @@
           <a:lstStyle/>
           <a:p>
             <a:r>
-              <a:rPr dirty="0"/>
+              <a:rPr sz="3200" dirty="0">
+                <a:latin typeface="Times New Roman" panose="02020603050405020304" pitchFamily="18" charset="0"/>
+                <a:cs typeface="Times New Roman" panose="02020603050405020304" pitchFamily="18" charset="0"/>
+              </a:rPr>
               <a:t>Project Objectives</a:t>
             </a:r>
           </a:p>
@@ -3765,10 +3934,15 @@
             <p:ph idx="1"/>
           </p:nvPr>
         </p:nvSpPr>
-        <p:spPr/>
+        <p:spPr>
+          <a:xfrm>
+            <a:off x="457200" y="1600200"/>
+            <a:ext cx="8229600" cy="4082845"/>
+          </a:xfrm>
+        </p:spPr>
         <p:txBody>
           <a:bodyPr>
-            <a:normAutofit fontScale="70000" lnSpcReduction="20000"/>
+            <a:normAutofit/>
           </a:bodyPr>
           <a:lstStyle/>
           <a:p>
@@ -3777,14 +3951,23 @@
               <a:buAutoNum type="arabicPeriod"/>
             </a:pPr>
             <a:r>
-              <a:rPr lang="en-US" b="1" dirty="0"/>
+              <a:rPr lang="en-US" sz="2000" b="1" dirty="0">
+                <a:latin typeface="Times New Roman" panose="02020603050405020304" pitchFamily="18" charset="0"/>
+                <a:cs typeface="Times New Roman" panose="02020603050405020304" pitchFamily="18" charset="0"/>
+              </a:rPr>
               <a:t>Analyze Distribution Trends</a:t>
             </a:r>
             <a:br>
-              <a:rPr lang="en-US" dirty="0"/>
+              <a:rPr lang="en-US" sz="2000" dirty="0">
+                <a:latin typeface="Times New Roman" panose="02020603050405020304" pitchFamily="18" charset="0"/>
+                <a:cs typeface="Times New Roman" panose="02020603050405020304" pitchFamily="18" charset="0"/>
+              </a:rPr>
             </a:br>
             <a:r>
-              <a:rPr lang="en-US" dirty="0"/>
+              <a:rPr lang="en-US" sz="2000" dirty="0">
+                <a:latin typeface="Times New Roman" panose="02020603050405020304" pitchFamily="18" charset="0"/>
+                <a:cs typeface="Times New Roman" panose="02020603050405020304" pitchFamily="18" charset="0"/>
+              </a:rPr>
               <a:t>Assess food distribution patterns across different zones and time periods within Kakuma.</a:t>
             </a:r>
           </a:p>
@@ -3794,14 +3977,23 @@
               <a:buAutoNum type="arabicPeriod"/>
             </a:pPr>
             <a:r>
-              <a:rPr lang="en-US" b="1" dirty="0"/>
+              <a:rPr lang="en-US" sz="2000" b="1" dirty="0">
+                <a:latin typeface="Times New Roman" panose="02020603050405020304" pitchFamily="18" charset="0"/>
+                <a:cs typeface="Times New Roman" panose="02020603050405020304" pitchFamily="18" charset="0"/>
+              </a:rPr>
               <a:t>Evaluate Household Allocations</a:t>
             </a:r>
             <a:br>
-              <a:rPr lang="en-US" dirty="0"/>
+              <a:rPr lang="en-US" sz="2000" dirty="0">
+                <a:latin typeface="Times New Roman" panose="02020603050405020304" pitchFamily="18" charset="0"/>
+                <a:cs typeface="Times New Roman" panose="02020603050405020304" pitchFamily="18" charset="0"/>
+              </a:rPr>
             </a:br>
             <a:r>
-              <a:rPr lang="en-US" dirty="0"/>
+              <a:rPr lang="en-US" sz="2000" dirty="0">
+                <a:latin typeface="Times New Roman" panose="02020603050405020304" pitchFamily="18" charset="0"/>
+                <a:cs typeface="Times New Roman" panose="02020603050405020304" pitchFamily="18" charset="0"/>
+              </a:rPr>
               <a:t>Identify variations or irregularities in food allocation per household size or type.</a:t>
             </a:r>
           </a:p>
@@ -3811,15 +4003,24 @@
               <a:buAutoNum type="arabicPeriod"/>
             </a:pPr>
             <a:r>
-              <a:rPr lang="en-US" b="1" dirty="0"/>
-              <a:t>Highlight Supply Gaps</a:t>
+              <a:rPr lang="en-US" sz="2000" b="1" dirty="0">
+                <a:latin typeface="Times New Roman" panose="02020603050405020304" pitchFamily="18" charset="0"/>
+                <a:cs typeface="Times New Roman" panose="02020603050405020304" pitchFamily="18" charset="0"/>
+              </a:rPr>
+              <a:t>Segment Beneficiaries</a:t>
             </a:r>
             <a:br>
-              <a:rPr lang="en-US" dirty="0"/>
+              <a:rPr lang="en-US" sz="2000" dirty="0">
+                <a:latin typeface="Times New Roman" panose="02020603050405020304" pitchFamily="18" charset="0"/>
+                <a:cs typeface="Times New Roman" panose="02020603050405020304" pitchFamily="18" charset="0"/>
+              </a:rPr>
             </a:br>
             <a:r>
-              <a:rPr lang="en-US" dirty="0"/>
-              <a:t>Detect instances of under-supply or missed deliveries across the refugee settlement.</a:t>
+              <a:rPr lang="en-US" sz="2000" dirty="0">
+                <a:latin typeface="Times New Roman" panose="02020603050405020304" pitchFamily="18" charset="0"/>
+                <a:cs typeface="Times New Roman" panose="02020603050405020304" pitchFamily="18" charset="0"/>
+              </a:rPr>
+              <a:t>Classify beneficiaries by zone and household size for targeted insights.</a:t>
             </a:r>
           </a:p>
           <a:p>
@@ -3828,31 +4029,23 @@
               <a:buAutoNum type="arabicPeriod"/>
             </a:pPr>
             <a:r>
-              <a:rPr lang="en-US" b="1" dirty="0"/>
-              <a:t>Segment Beneficiaries</a:t>
+              <a:rPr lang="en-US" sz="2000" b="1" dirty="0">
+                <a:latin typeface="Times New Roman" panose="02020603050405020304" pitchFamily="18" charset="0"/>
+                <a:cs typeface="Times New Roman" panose="02020603050405020304" pitchFamily="18" charset="0"/>
+              </a:rPr>
+              <a:t>Generate Actionable Insights</a:t>
             </a:r>
             <a:br>
-              <a:rPr lang="en-US" dirty="0"/>
+              <a:rPr lang="en-US" sz="2000" dirty="0">
+                <a:latin typeface="Times New Roman" panose="02020603050405020304" pitchFamily="18" charset="0"/>
+                <a:cs typeface="Times New Roman" panose="02020603050405020304" pitchFamily="18" charset="0"/>
+              </a:rPr>
             </a:br>
             <a:r>
-              <a:rPr lang="en-US" dirty="0"/>
-              <a:t>Classify beneficiaries by zone and household size for targeted insights.</a:t>
-            </a:r>
-          </a:p>
-          <a:p>
-            <a:pPr>
-              <a:buFont typeface="+mj-lt"/>
-              <a:buAutoNum type="arabicPeriod"/>
-            </a:pPr>
-            <a:r>
-              <a:rPr lang="en-US" b="1" dirty="0"/>
-              <a:t>Generate Actionable Insights</a:t>
-            </a:r>
-            <a:br>
-              <a:rPr lang="en-US" dirty="0"/>
-            </a:br>
-            <a:r>
-              <a:rPr lang="en-US" dirty="0"/>
+              <a:rPr lang="en-US" sz="2000" dirty="0">
+                <a:latin typeface="Times New Roman" panose="02020603050405020304" pitchFamily="18" charset="0"/>
+                <a:cs typeface="Times New Roman" panose="02020603050405020304" pitchFamily="18" charset="0"/>
+              </a:rPr>
               <a:t>Provide data-driven recommendations to improve fairness, consistency, and efficiency in food distribution.</a:t>
             </a:r>
           </a:p>
@@ -3932,17 +4125,40 @@
             </a:r>
           </a:p>
           <a:p>
-            <a:r>
-              <a:rPr lang="en-US" dirty="0"/>
-              <a:t>Some of the column names include; Distribution Date, Ration Amount, Satisfaction Rating, Zone Monthly Food, Zone quarterly Food and so on.</a:t>
-            </a:r>
-            <a:endParaRPr dirty="0"/>
-          </a:p>
-          <a:p>
             <a:endParaRPr lang="en-US" dirty="0"/>
           </a:p>
         </p:txBody>
       </p:sp>
+      <p:pic>
+        <p:nvPicPr>
+          <p:cNvPr id="7" name="Picture 6">
+            <a:extLst>
+              <a:ext uri="{FF2B5EF4-FFF2-40B4-BE49-F238E27FC236}">
+                <a16:creationId xmlns:a16="http://schemas.microsoft.com/office/drawing/2014/main" id="{328507D7-1BF6-B3D3-6BCC-6B9A537A4363}"/>
+              </a:ext>
+            </a:extLst>
+          </p:cNvPr>
+          <p:cNvPicPr>
+            <a:picLocks noChangeAspect="1"/>
+          </p:cNvPicPr>
+          <p:nvPr/>
+        </p:nvPicPr>
+        <p:blipFill>
+          <a:blip r:embed="rId2"/>
+          <a:stretch>
+            <a:fillRect/>
+          </a:stretch>
+        </p:blipFill>
+        <p:spPr>
+          <a:xfrm>
+            <a:off x="934278" y="3071192"/>
+            <a:ext cx="7752522" cy="2902226"/>
+          </a:xfrm>
+          <a:prstGeom prst="rect">
+            <a:avLst/>
+          </a:prstGeom>
+        </p:spPr>
+      </p:pic>
     </p:spTree>
   </p:cSld>
   <p:clrMapOvr>
@@ -3970,7 +4186,13 @@
       </p:grpSpPr>
       <p:sp>
         <p:nvSpPr>
-          <p:cNvPr id="2" name="Title 1"/>
+          <p:cNvPr id="2" name="Title 1">
+            <a:extLst>
+              <a:ext uri="{FF2B5EF4-FFF2-40B4-BE49-F238E27FC236}">
+                <a16:creationId xmlns:a16="http://schemas.microsoft.com/office/drawing/2014/main" id="{84163357-0E63-36D4-96D1-D4115004033B}"/>
+              </a:ext>
+            </a:extLst>
+          </p:cNvPr>
           <p:cNvSpPr>
             <a:spLocks noGrp="1"/>
           </p:cNvSpPr>
@@ -3978,20 +4200,36 @@
             <p:ph type="title"/>
           </p:nvPr>
         </p:nvSpPr>
-        <p:spPr/>
-        <p:txBody>
-          <a:bodyPr/>
-          <a:lstStyle/>
-          <a:p>
-            <a:r>
-              <a:t>Data Preparation</a:t>
-            </a:r>
-          </a:p>
-        </p:txBody>
-      </p:sp>
-      <p:sp>
-        <p:nvSpPr>
-          <p:cNvPr id="3" name="Content Placeholder 2"/>
+        <p:spPr>
+          <a:xfrm>
+            <a:off x="226142" y="274638"/>
+            <a:ext cx="8460658" cy="600433"/>
+          </a:xfrm>
+        </p:spPr>
+        <p:txBody>
+          <a:bodyPr>
+            <a:normAutofit/>
+          </a:bodyPr>
+          <a:lstStyle/>
+          <a:p>
+            <a:r>
+              <a:rPr lang="en-US" sz="3200" dirty="0">
+                <a:latin typeface="Bahnschrift SemiBold Condensed" panose="020B0502040204020203" pitchFamily="34" charset="0"/>
+              </a:rPr>
+              <a:t>Methodology</a:t>
+            </a:r>
+          </a:p>
+        </p:txBody>
+      </p:sp>
+      <p:sp>
+        <p:nvSpPr>
+          <p:cNvPr id="3" name="Content Placeholder 2">
+            <a:extLst>
+              <a:ext uri="{FF2B5EF4-FFF2-40B4-BE49-F238E27FC236}">
+                <a16:creationId xmlns:a16="http://schemas.microsoft.com/office/drawing/2014/main" id="{47FC0905-66D2-B8E6-9DDD-3533EE87103B}"/>
+              </a:ext>
+            </a:extLst>
+          </p:cNvPr>
           <p:cNvSpPr>
             <a:spLocks noGrp="1"/>
           </p:cNvSpPr>
@@ -3999,51 +4237,127 @@
             <p:ph idx="1"/>
           </p:nvPr>
         </p:nvSpPr>
-        <p:spPr/>
-        <p:txBody>
-          <a:bodyPr/>
-          <a:lstStyle/>
-          <a:p>
-            <a:r>
-              <a:rPr dirty="0"/>
-              <a:t> </a:t>
-            </a:r>
-            <a:r>
-              <a:rPr lang="en-US" dirty="0"/>
-              <a:t>There was 100 null values in all the original columns and I filled them using methods that were more applicable for example I used the bfill and ffill for distribution date.</a:t>
-            </a:r>
-            <a:endParaRPr dirty="0"/>
-          </a:p>
-          <a:p>
-            <a:r>
-              <a:rPr dirty="0"/>
-              <a:t>Derived: </a:t>
-            </a:r>
-            <a:r>
-              <a:rPr lang="en-US" dirty="0"/>
-              <a:t>Zone Monthly Food</a:t>
-            </a:r>
-            <a:r>
-              <a:rPr dirty="0"/>
-              <a:t> &amp; Ration </a:t>
-            </a:r>
-            <a:r>
-              <a:rPr lang="en-US" dirty="0"/>
-              <a:t>Satisfaction </a:t>
-            </a:r>
-            <a:r>
-              <a:rPr dirty="0"/>
-              <a:t>per person</a:t>
-            </a:r>
-            <a:r>
-              <a:rPr lang="en-US" dirty="0"/>
-              <a:t> just to mention a few.</a:t>
-            </a:r>
-            <a:endParaRPr dirty="0"/>
+        <p:spPr>
+          <a:xfrm>
+            <a:off x="457200" y="1073427"/>
+            <a:ext cx="8229600" cy="3707296"/>
+          </a:xfrm>
+        </p:spPr>
+        <p:txBody>
+          <a:bodyPr>
+            <a:normAutofit/>
+          </a:bodyPr>
+          <a:lstStyle/>
+          <a:p>
+            <a:r>
+              <a:rPr lang="en-US" b="1" dirty="0">
+                <a:latin typeface="Times New Roman" panose="02020603050405020304" pitchFamily="18" charset="0"/>
+                <a:cs typeface="Times New Roman" panose="02020603050405020304" pitchFamily="18" charset="0"/>
+              </a:rPr>
+              <a:t>Data cleaning</a:t>
+            </a:r>
+          </a:p>
+          <a:p>
+            <a:r>
+              <a:rPr lang="en-US" sz="2200" dirty="0">
+                <a:latin typeface="Times New Roman" panose="02020603050405020304" pitchFamily="18" charset="0"/>
+                <a:cs typeface="Times New Roman" panose="02020603050405020304" pitchFamily="18" charset="0"/>
+              </a:rPr>
+              <a:t>Filled the 100 missing values using necessary methods. example </a:t>
+            </a:r>
+            <a:r>
+              <a:rPr lang="en-US" sz="2200" dirty="0" err="1">
+                <a:latin typeface="Times New Roman" panose="02020603050405020304" pitchFamily="18" charset="0"/>
+                <a:cs typeface="Times New Roman" panose="02020603050405020304" pitchFamily="18" charset="0"/>
+              </a:rPr>
+              <a:t>bfill</a:t>
+            </a:r>
+            <a:r>
+              <a:rPr lang="en-US" sz="2200" dirty="0">
+                <a:latin typeface="Times New Roman" panose="02020603050405020304" pitchFamily="18" charset="0"/>
+                <a:cs typeface="Times New Roman" panose="02020603050405020304" pitchFamily="18" charset="0"/>
+              </a:rPr>
+              <a:t> and </a:t>
+            </a:r>
+            <a:r>
+              <a:rPr lang="en-US" sz="2200" dirty="0" err="1">
+                <a:latin typeface="Times New Roman" panose="02020603050405020304" pitchFamily="18" charset="0"/>
+                <a:cs typeface="Times New Roman" panose="02020603050405020304" pitchFamily="18" charset="0"/>
+              </a:rPr>
+              <a:t>ffill</a:t>
+            </a:r>
+            <a:r>
+              <a:rPr lang="en-US" sz="2200" dirty="0">
+                <a:latin typeface="Times New Roman" panose="02020603050405020304" pitchFamily="18" charset="0"/>
+                <a:cs typeface="Times New Roman" panose="02020603050405020304" pitchFamily="18" charset="0"/>
+              </a:rPr>
+              <a:t> for distribution date and median for Ration amount.</a:t>
+            </a:r>
+          </a:p>
+          <a:p>
+            <a:r>
+              <a:rPr lang="en-US" sz="2200" dirty="0">
+                <a:latin typeface="Times New Roman" panose="02020603050405020304" pitchFamily="18" charset="0"/>
+                <a:cs typeface="Times New Roman" panose="02020603050405020304" pitchFamily="18" charset="0"/>
+              </a:rPr>
+              <a:t>First to eighth </a:t>
+            </a:r>
+            <a:r>
+              <a:rPr lang="en-US" sz="2200" dirty="0" err="1">
+                <a:latin typeface="Times New Roman" panose="02020603050405020304" pitchFamily="18" charset="0"/>
+                <a:cs typeface="Times New Roman" panose="02020603050405020304" pitchFamily="18" charset="0"/>
+              </a:rPr>
+              <a:t>colum</a:t>
+            </a:r>
+            <a:r>
+              <a:rPr lang="en-US" sz="2200" dirty="0">
+                <a:latin typeface="Times New Roman" panose="02020603050405020304" pitchFamily="18" charset="0"/>
+                <a:cs typeface="Times New Roman" panose="02020603050405020304" pitchFamily="18" charset="0"/>
+              </a:rPr>
+              <a:t> had 100 missing values.</a:t>
+            </a:r>
+          </a:p>
+          <a:p>
+            <a:endParaRPr lang="en-US" sz="2200" dirty="0">
+              <a:latin typeface="Times New Roman" panose="02020603050405020304" pitchFamily="18" charset="0"/>
+              <a:cs typeface="Times New Roman" panose="02020603050405020304" pitchFamily="18" charset="0"/>
+            </a:endParaRPr>
+          </a:p>
+          <a:p>
+            <a:r>
+              <a:rPr lang="en-US" b="1" dirty="0">
+                <a:latin typeface="Times New Roman" panose="02020603050405020304" pitchFamily="18" charset="0"/>
+                <a:cs typeface="Times New Roman" panose="02020603050405020304" pitchFamily="18" charset="0"/>
+              </a:rPr>
+              <a:t>Data transformation</a:t>
+            </a:r>
+          </a:p>
+          <a:p>
+            <a:r>
+              <a:rPr lang="en-US" sz="2000" dirty="0">
+                <a:latin typeface="Times New Roman" panose="02020603050405020304" pitchFamily="18" charset="0"/>
+                <a:cs typeface="Times New Roman" panose="02020603050405020304" pitchFamily="18" charset="0"/>
+              </a:rPr>
+              <a:t>Calculated per person ratings</a:t>
+            </a:r>
+          </a:p>
+          <a:p>
+            <a:r>
+              <a:rPr lang="en-US" sz="2000" dirty="0">
+                <a:latin typeface="Times New Roman" panose="02020603050405020304" pitchFamily="18" charset="0"/>
+                <a:cs typeface="Times New Roman" panose="02020603050405020304" pitchFamily="18" charset="0"/>
+              </a:rPr>
+              <a:t>Created monthly and quarterly totals</a:t>
+            </a:r>
           </a:p>
         </p:txBody>
       </p:sp>
     </p:spTree>
+    <p:extLst>
+      <p:ext uri="{BB962C8B-B14F-4D97-AF65-F5344CB8AC3E}">
+        <p14:creationId xmlns:p14="http://schemas.microsoft.com/office/powerpoint/2010/main" val="1175139709"/>
+      </p:ext>
+    </p:extLst>
   </p:cSld>
   <p:clrMapOvr>
     <a:masterClrMapping/>
@@ -4070,105 +4384,214 @@
       </p:grpSpPr>
       <p:sp>
         <p:nvSpPr>
-          <p:cNvPr id="2" name="Title 1">
+          <p:cNvPr id="2" name="Title 1"/>
+          <p:cNvSpPr>
+            <a:spLocks noGrp="1"/>
+          </p:cNvSpPr>
+          <p:nvPr>
+            <p:ph type="title"/>
+          </p:nvPr>
+        </p:nvSpPr>
+        <p:spPr>
+          <a:xfrm>
+            <a:off x="457200" y="274638"/>
+            <a:ext cx="5604387" cy="595517"/>
+          </a:xfrm>
+        </p:spPr>
+        <p:txBody>
+          <a:bodyPr>
+            <a:normAutofit/>
+          </a:bodyPr>
+          <a:lstStyle/>
+          <a:p>
+            <a:r>
+              <a:rPr sz="1400" b="1" dirty="0">
+                <a:latin typeface="Algerian" panose="04020705040A02060702" pitchFamily="82" charset="0"/>
+              </a:rPr>
+              <a:t>Key Performance Indicators</a:t>
+            </a:r>
+          </a:p>
+        </p:txBody>
+      </p:sp>
+      <p:sp>
+        <p:nvSpPr>
+          <p:cNvPr id="3" name="Content Placeholder 2"/>
+          <p:cNvSpPr>
+            <a:spLocks noGrp="1"/>
+          </p:cNvSpPr>
+          <p:nvPr>
+            <p:ph idx="1"/>
+          </p:nvPr>
+        </p:nvSpPr>
+        <p:spPr/>
+        <p:txBody>
+          <a:bodyPr/>
+          <a:lstStyle/>
+          <a:p>
+            <a:pPr marL="0" indent="0">
+              <a:buNone/>
+            </a:pPr>
+            <a:endParaRPr dirty="0"/>
+          </a:p>
+          <a:p>
+            <a:pPr marL="0" indent="0">
+              <a:buNone/>
+            </a:pPr>
+            <a:endParaRPr dirty="0"/>
+          </a:p>
+        </p:txBody>
+      </p:sp>
+      <p:pic>
+        <p:nvPicPr>
+          <p:cNvPr id="5" name="Picture 4">
             <a:extLst>
               <a:ext uri="{FF2B5EF4-FFF2-40B4-BE49-F238E27FC236}">
-                <a16:creationId xmlns:a16="http://schemas.microsoft.com/office/drawing/2014/main" id="{84163357-0E63-36D4-96D1-D4115004033B}"/>
+                <a16:creationId xmlns:a16="http://schemas.microsoft.com/office/drawing/2014/main" id="{46D17947-FCA7-CDAF-D3D6-268EEA4964D9}"/>
               </a:ext>
             </a:extLst>
           </p:cNvPr>
-          <p:cNvSpPr>
-            <a:spLocks noGrp="1"/>
-          </p:cNvSpPr>
-          <p:nvPr>
-            <p:ph type="title"/>
-          </p:nvPr>
-        </p:nvSpPr>
-        <p:spPr/>
-        <p:txBody>
-          <a:bodyPr/>
-          <a:lstStyle/>
-          <a:p>
-            <a:endParaRPr lang="en-US"/>
-          </a:p>
-        </p:txBody>
-      </p:sp>
-      <p:sp>
-        <p:nvSpPr>
-          <p:cNvPr id="3" name="Content Placeholder 2">
+          <p:cNvPicPr>
+            <a:picLocks noChangeAspect="1"/>
+          </p:cNvPicPr>
+          <p:nvPr/>
+        </p:nvPicPr>
+        <p:blipFill>
+          <a:blip r:embed="rId2"/>
+          <a:stretch>
+            <a:fillRect/>
+          </a:stretch>
+        </p:blipFill>
+        <p:spPr>
+          <a:xfrm>
+            <a:off x="149088" y="1361661"/>
+            <a:ext cx="2584173" cy="1779104"/>
+          </a:xfrm>
+          <a:prstGeom prst="rect">
+            <a:avLst/>
+          </a:prstGeom>
+        </p:spPr>
+      </p:pic>
+      <p:pic>
+        <p:nvPicPr>
+          <p:cNvPr id="7" name="Picture 6">
             <a:extLst>
               <a:ext uri="{FF2B5EF4-FFF2-40B4-BE49-F238E27FC236}">
-                <a16:creationId xmlns:a16="http://schemas.microsoft.com/office/drawing/2014/main" id="{47FC0905-66D2-B8E6-9DDD-3533EE87103B}"/>
+                <a16:creationId xmlns:a16="http://schemas.microsoft.com/office/drawing/2014/main" id="{06BEBD51-B6D6-BF4F-8FD8-72BB041898BB}"/>
               </a:ext>
             </a:extLst>
           </p:cNvPr>
-          <p:cNvSpPr>
-            <a:spLocks noGrp="1"/>
-          </p:cNvSpPr>
-          <p:nvPr>
-            <p:ph idx="1"/>
-          </p:nvPr>
-        </p:nvSpPr>
-        <p:spPr/>
-        <p:txBody>
-          <a:bodyPr>
-            <a:normAutofit lnSpcReduction="10000"/>
-          </a:bodyPr>
-          <a:lstStyle/>
-          <a:p>
-            <a:endParaRPr lang="en-US" dirty="0"/>
-          </a:p>
-          <a:p>
-            <a:pPr marL="0" indent="0">
-              <a:buNone/>
-            </a:pPr>
-            <a:r>
-              <a:rPr lang="en-US" dirty="0"/>
-              <a:t>Columns with null values</a:t>
-            </a:r>
-          </a:p>
-          <a:p>
-            <a:r>
-              <a:rPr lang="en-US" dirty="0"/>
-              <a:t>Column 1</a:t>
-            </a:r>
-          </a:p>
-          <a:p>
-            <a:r>
-              <a:rPr lang="en-US" dirty="0"/>
-              <a:t>2</a:t>
-            </a:r>
-          </a:p>
-          <a:p>
-            <a:r>
-              <a:rPr lang="en-US" dirty="0"/>
-              <a:t>3</a:t>
-            </a:r>
-          </a:p>
-          <a:p>
-            <a:r>
-              <a:rPr lang="en-US" dirty="0"/>
-              <a:t>4</a:t>
-            </a:r>
-          </a:p>
-          <a:p>
-            <a:endParaRPr lang="en-US" dirty="0"/>
-          </a:p>
-          <a:p>
-            <a:pPr lvl="1"/>
-            <a:r>
-              <a:rPr lang="en-US" dirty="0"/>
-              <a:t>100 null values for each</a:t>
-            </a:r>
-          </a:p>
-        </p:txBody>
-      </p:sp>
+          <p:cNvPicPr>
+            <a:picLocks noChangeAspect="1"/>
+          </p:cNvPicPr>
+          <p:nvPr/>
+        </p:nvPicPr>
+        <p:blipFill>
+          <a:blip r:embed="rId3"/>
+          <a:stretch>
+            <a:fillRect/>
+          </a:stretch>
+        </p:blipFill>
+        <p:spPr>
+          <a:xfrm>
+            <a:off x="2832652" y="1361662"/>
+            <a:ext cx="2584173" cy="1779104"/>
+          </a:xfrm>
+          <a:prstGeom prst="rect">
+            <a:avLst/>
+          </a:prstGeom>
+        </p:spPr>
+      </p:pic>
+      <p:pic>
+        <p:nvPicPr>
+          <p:cNvPr id="9" name="Picture 8">
+            <a:extLst>
+              <a:ext uri="{FF2B5EF4-FFF2-40B4-BE49-F238E27FC236}">
+                <a16:creationId xmlns:a16="http://schemas.microsoft.com/office/drawing/2014/main" id="{D51367CE-BB51-F7F9-6CC8-0EEEB336EDBF}"/>
+              </a:ext>
+            </a:extLst>
+          </p:cNvPr>
+          <p:cNvPicPr>
+            <a:picLocks noChangeAspect="1"/>
+          </p:cNvPicPr>
+          <p:nvPr/>
+        </p:nvPicPr>
+        <p:blipFill>
+          <a:blip r:embed="rId4"/>
+          <a:stretch>
+            <a:fillRect/>
+          </a:stretch>
+        </p:blipFill>
+        <p:spPr>
+          <a:xfrm>
+            <a:off x="5724937" y="1361662"/>
+            <a:ext cx="2584172" cy="1779104"/>
+          </a:xfrm>
+          <a:prstGeom prst="rect">
+            <a:avLst/>
+          </a:prstGeom>
+        </p:spPr>
+      </p:pic>
+      <p:pic>
+        <p:nvPicPr>
+          <p:cNvPr id="11" name="Picture 10">
+            <a:extLst>
+              <a:ext uri="{FF2B5EF4-FFF2-40B4-BE49-F238E27FC236}">
+                <a16:creationId xmlns:a16="http://schemas.microsoft.com/office/drawing/2014/main" id="{8419EEF0-7549-6086-21E9-54BEF486A276}"/>
+              </a:ext>
+            </a:extLst>
+          </p:cNvPr>
+          <p:cNvPicPr>
+            <a:picLocks noChangeAspect="1"/>
+          </p:cNvPicPr>
+          <p:nvPr/>
+        </p:nvPicPr>
+        <p:blipFill>
+          <a:blip r:embed="rId5"/>
+          <a:stretch>
+            <a:fillRect/>
+          </a:stretch>
+        </p:blipFill>
+        <p:spPr>
+          <a:xfrm>
+            <a:off x="149088" y="3379303"/>
+            <a:ext cx="4184373" cy="2117034"/>
+          </a:xfrm>
+          <a:prstGeom prst="rect">
+            <a:avLst/>
+          </a:prstGeom>
+        </p:spPr>
+      </p:pic>
+      <p:pic>
+        <p:nvPicPr>
+          <p:cNvPr id="13" name="Picture 12">
+            <a:extLst>
+              <a:ext uri="{FF2B5EF4-FFF2-40B4-BE49-F238E27FC236}">
+                <a16:creationId xmlns:a16="http://schemas.microsoft.com/office/drawing/2014/main" id="{246D06CB-363E-FB7E-49C3-3CDADB5FFA66}"/>
+              </a:ext>
+            </a:extLst>
+          </p:cNvPr>
+          <p:cNvPicPr>
+            <a:picLocks noChangeAspect="1"/>
+          </p:cNvPicPr>
+          <p:nvPr/>
+        </p:nvPicPr>
+        <p:blipFill>
+          <a:blip r:embed="rId6"/>
+          <a:stretch>
+            <a:fillRect/>
+          </a:stretch>
+        </p:blipFill>
+        <p:spPr>
+          <a:xfrm>
+            <a:off x="4572000" y="3379303"/>
+            <a:ext cx="3737109" cy="2117034"/>
+          </a:xfrm>
+          <a:prstGeom prst="rect">
+            <a:avLst/>
+          </a:prstGeom>
+        </p:spPr>
+      </p:pic>
     </p:spTree>
-    <p:extLst>
-      <p:ext uri="{BB962C8B-B14F-4D97-AF65-F5344CB8AC3E}">
-        <p14:creationId xmlns:p14="http://schemas.microsoft.com/office/powerpoint/2010/main" val="1175139709"/>
-      </p:ext>
-    </p:extLst>
   </p:cSld>
   <p:clrMapOvr>
     <a:masterClrMapping/>
@@ -4203,12 +4626,7 @@
             <p:ph type="title"/>
           </p:nvPr>
         </p:nvSpPr>
-        <p:spPr>
-          <a:xfrm>
-            <a:off x="457200" y="274638"/>
-            <a:ext cx="5604387" cy="595517"/>
-          </a:xfrm>
-        </p:spPr>
+        <p:spPr/>
         <p:txBody>
           <a:bodyPr>
             <a:normAutofit/>
@@ -4216,8 +4634,8 @@
           <a:lstStyle/>
           <a:p>
             <a:r>
-              <a:rPr sz="1400" dirty="0"/>
-              <a:t>Key Performance Indicators</a:t>
+              <a:rPr sz="2000" dirty="0"/>
+              <a:t>Distribution vs Household Size</a:t>
             </a:r>
           </a:p>
         </p:txBody>
@@ -4232,47 +4650,78 @@
             <p:ph idx="1"/>
           </p:nvPr>
         </p:nvSpPr>
-        <p:spPr/>
-        <p:txBody>
-          <a:bodyPr/>
-          <a:lstStyle/>
-          <a:p>
-            <a:r>
-              <a:rPr lang="en-US" dirty="0"/>
-              <a:t>Avg Rice per household.</a:t>
-            </a:r>
-            <a:endParaRPr dirty="0"/>
-          </a:p>
-          <a:p>
-            <a:r>
-              <a:rPr lang="en-US" dirty="0"/>
-              <a:t>Avg Rice per person.</a:t>
-            </a:r>
-            <a:endParaRPr dirty="0"/>
-          </a:p>
-          <a:p>
-            <a:r>
-              <a:rPr lang="en-US" dirty="0"/>
-              <a:t>Avg oil per household.</a:t>
-            </a:r>
-            <a:endParaRPr dirty="0"/>
-          </a:p>
-          <a:p>
-            <a:r>
-              <a:rPr lang="en-US" dirty="0"/>
-              <a:t>Avg oil per person.</a:t>
-            </a:r>
-            <a:endParaRPr dirty="0"/>
-          </a:p>
-          <a:p>
-            <a:r>
-              <a:rPr lang="en-US" dirty="0"/>
-              <a:t>Zonal Satisfaction score.</a:t>
-            </a:r>
-            <a:endParaRPr dirty="0"/>
-          </a:p>
-        </p:txBody>
-      </p:sp>
+        <p:spPr>
+          <a:xfrm>
+            <a:off x="457200" y="4293704"/>
+            <a:ext cx="8229600" cy="1832459"/>
+          </a:xfrm>
+        </p:spPr>
+        <p:txBody>
+          <a:bodyPr>
+            <a:normAutofit/>
+          </a:bodyPr>
+          <a:lstStyle/>
+          <a:p>
+            <a:endParaRPr sz="1600" dirty="0"/>
+          </a:p>
+          <a:p>
+            <a:r>
+              <a:rPr sz="1600" dirty="0"/>
+              <a:t>Insight: </a:t>
+            </a:r>
+            <a:r>
+              <a:rPr lang="en-US" sz="1600" dirty="0"/>
+              <a:t>I realized that l</a:t>
+            </a:r>
+            <a:r>
+              <a:rPr sz="1600" dirty="0"/>
+              <a:t>arger</a:t>
+            </a:r>
+            <a:r>
+              <a:rPr lang="en-US" sz="1600" dirty="0"/>
+              <a:t> </a:t>
+            </a:r>
+            <a:r>
+              <a:rPr sz="1600" dirty="0"/>
+              <a:t>households get more</a:t>
+            </a:r>
+            <a:r>
+              <a:rPr lang="en-US" sz="1600" dirty="0"/>
+              <a:t> and there should be equal food allocation.</a:t>
+            </a:r>
+          </a:p>
+        </p:txBody>
+      </p:sp>
+      <p:pic>
+        <p:nvPicPr>
+          <p:cNvPr id="6" name="Picture 5">
+            <a:extLst>
+              <a:ext uri="{FF2B5EF4-FFF2-40B4-BE49-F238E27FC236}">
+                <a16:creationId xmlns:a16="http://schemas.microsoft.com/office/drawing/2014/main" id="{AD00EEFA-EC5F-B265-FAC1-E8F50A7DA540}"/>
+              </a:ext>
+            </a:extLst>
+          </p:cNvPr>
+          <p:cNvPicPr>
+            <a:picLocks noChangeAspect="1"/>
+          </p:cNvPicPr>
+          <p:nvPr/>
+        </p:nvPicPr>
+        <p:blipFill>
+          <a:blip r:embed="rId2"/>
+          <a:stretch>
+            <a:fillRect/>
+          </a:stretch>
+        </p:blipFill>
+        <p:spPr>
+          <a:xfrm>
+            <a:off x="186812" y="1130710"/>
+            <a:ext cx="8229599" cy="3370002"/>
+          </a:xfrm>
+          <a:prstGeom prst="rect">
+            <a:avLst/>
+          </a:prstGeom>
+        </p:spPr>
+      </p:pic>
     </p:spTree>
   </p:cSld>
   <p:clrMapOvr>
@@ -4300,7 +4749,13 @@
       </p:grpSpPr>
       <p:sp>
         <p:nvSpPr>
-          <p:cNvPr id="2" name="Title 1"/>
+          <p:cNvPr id="2" name="Title 1">
+            <a:extLst>
+              <a:ext uri="{FF2B5EF4-FFF2-40B4-BE49-F238E27FC236}">
+                <a16:creationId xmlns:a16="http://schemas.microsoft.com/office/drawing/2014/main" id="{EE87D608-7B5C-30F7-609C-061DFB875504}"/>
+              </a:ext>
+            </a:extLst>
+          </p:cNvPr>
           <p:cNvSpPr>
             <a:spLocks noGrp="1"/>
           </p:cNvSpPr>
@@ -4308,7 +4763,47 @@
             <p:ph type="title"/>
           </p:nvPr>
         </p:nvSpPr>
-        <p:spPr/>
+        <p:spPr>
+          <a:xfrm>
+            <a:off x="457200" y="274638"/>
+            <a:ext cx="8617974" cy="974059"/>
+          </a:xfrm>
+        </p:spPr>
+        <p:txBody>
+          <a:bodyPr/>
+          <a:lstStyle/>
+          <a:p>
+            <a:r>
+              <a:rPr lang="en-US" dirty="0">
+                <a:latin typeface="Algerian" panose="04020705040A02060702" pitchFamily="82" charset="0"/>
+              </a:rPr>
+              <a:t>Satisfaction Score</a:t>
+            </a:r>
+          </a:p>
+        </p:txBody>
+      </p:sp>
+      <p:sp>
+        <p:nvSpPr>
+          <p:cNvPr id="3" name="Content Placeholder 2">
+            <a:extLst>
+              <a:ext uri="{FF2B5EF4-FFF2-40B4-BE49-F238E27FC236}">
+                <a16:creationId xmlns:a16="http://schemas.microsoft.com/office/drawing/2014/main" id="{1D026B55-FDD9-6331-D353-28D80663A3B6}"/>
+              </a:ext>
+            </a:extLst>
+          </p:cNvPr>
+          <p:cNvSpPr>
+            <a:spLocks noGrp="1"/>
+          </p:cNvSpPr>
+          <p:nvPr>
+            <p:ph idx="1"/>
+          </p:nvPr>
+        </p:nvSpPr>
+        <p:spPr>
+          <a:xfrm>
+            <a:off x="457200" y="4780722"/>
+            <a:ext cx="8229600" cy="1345441"/>
+          </a:xfrm>
+        </p:spPr>
         <p:txBody>
           <a:bodyPr>
             <a:normAutofit/>
@@ -4316,67 +4811,60 @@
           <a:lstStyle/>
           <a:p>
             <a:r>
-              <a:rPr sz="2000" dirty="0"/>
-              <a:t>Distribution vs Household Size</a:t>
-            </a:r>
-          </a:p>
-        </p:txBody>
-      </p:sp>
-      <p:sp>
-        <p:nvSpPr>
-          <p:cNvPr id="3" name="Content Placeholder 2"/>
-          <p:cNvSpPr>
-            <a:spLocks noGrp="1"/>
-          </p:cNvSpPr>
-          <p:nvPr>
-            <p:ph idx="1"/>
-          </p:nvPr>
-        </p:nvSpPr>
-        <p:spPr/>
-        <p:txBody>
-          <a:bodyPr>
-            <a:normAutofit/>
-          </a:bodyPr>
-          <a:lstStyle/>
-          <a:p>
-            <a:r>
-              <a:rPr sz="1600" dirty="0"/>
-              <a:t>Chart</a:t>
-            </a:r>
-            <a:r>
-              <a:rPr lang="en-US" sz="1600" dirty="0"/>
-              <a:t>: A table.</a:t>
-            </a:r>
-            <a:endParaRPr sz="1600" dirty="0"/>
-          </a:p>
-          <a:p>
-            <a:r>
-              <a:rPr sz="1600" dirty="0"/>
-              <a:t>Insight: </a:t>
-            </a:r>
-            <a:r>
-              <a:rPr lang="en-US" sz="1600" dirty="0"/>
-              <a:t>I realized that l</a:t>
-            </a:r>
-            <a:r>
-              <a:rPr sz="1600" dirty="0"/>
-              <a:t>arger households get more</a:t>
-            </a:r>
-            <a:r>
-              <a:rPr lang="en-US" sz="1600" dirty="0"/>
-              <a:t>.</a:t>
-            </a:r>
-          </a:p>
-          <a:p>
-            <a:r>
-              <a:rPr lang="en-US" sz="1600" dirty="0"/>
-              <a:t>I couldn't really suggest any solution to this because the more the people the bigger the food needed thus its their right to be rationed more food.</a:t>
-            </a:r>
-            <a:endParaRPr sz="1600" dirty="0"/>
-          </a:p>
-        </p:txBody>
-      </p:sp>
+              <a:rPr lang="en-US" sz="1800" dirty="0">
+                <a:latin typeface="Times New Roman" panose="02020603050405020304" pitchFamily="18" charset="0"/>
+                <a:cs typeface="Times New Roman" panose="02020603050405020304" pitchFamily="18" charset="0"/>
+              </a:rPr>
+              <a:t>Every individual in Kakuma is 12.8% satisfied with ration.</a:t>
+            </a:r>
+          </a:p>
+          <a:p>
+            <a:r>
+              <a:rPr lang="en-US" sz="1800" dirty="0">
+                <a:latin typeface="Times New Roman" panose="02020603050405020304" pitchFamily="18" charset="0"/>
+                <a:cs typeface="Times New Roman" panose="02020603050405020304" pitchFamily="18" charset="0"/>
+              </a:rPr>
+              <a:t>This is due to the meagre food items supplied in the camp and I believe the UN can do better in that breath.</a:t>
+            </a:r>
+          </a:p>
+        </p:txBody>
+      </p:sp>
+      <p:pic>
+        <p:nvPicPr>
+          <p:cNvPr id="7" name="Picture 6">
+            <a:extLst>
+              <a:ext uri="{FF2B5EF4-FFF2-40B4-BE49-F238E27FC236}">
+                <a16:creationId xmlns:a16="http://schemas.microsoft.com/office/drawing/2014/main" id="{7FD2E183-20B4-525B-97DF-8F626F60C001}"/>
+              </a:ext>
+            </a:extLst>
+          </p:cNvPr>
+          <p:cNvPicPr>
+            <a:picLocks noChangeAspect="1"/>
+          </p:cNvPicPr>
+          <p:nvPr/>
+        </p:nvPicPr>
+        <p:blipFill>
+          <a:blip r:embed="rId2"/>
+          <a:stretch>
+            <a:fillRect/>
+          </a:stretch>
+        </p:blipFill>
+        <p:spPr>
+          <a:xfrm>
+            <a:off x="216310" y="1317523"/>
+            <a:ext cx="8858864" cy="3463199"/>
+          </a:xfrm>
+          <a:prstGeom prst="rect">
+            <a:avLst/>
+          </a:prstGeom>
+        </p:spPr>
+      </p:pic>
     </p:spTree>
+    <p:extLst>
+      <p:ext uri="{BB962C8B-B14F-4D97-AF65-F5344CB8AC3E}">
+        <p14:creationId xmlns:p14="http://schemas.microsoft.com/office/powerpoint/2010/main" val="3701016704"/>
+      </p:ext>
+    </p:extLst>
   </p:cSld>
   <p:clrMapOvr>
     <a:masterClrMapping/>
@@ -4403,72 +4891,127 @@
       </p:grpSpPr>
       <p:sp>
         <p:nvSpPr>
-          <p:cNvPr id="2" name="Title 1">
+          <p:cNvPr id="2" name="Title 1"/>
+          <p:cNvSpPr>
+            <a:spLocks noGrp="1"/>
+          </p:cNvSpPr>
+          <p:nvPr>
+            <p:ph type="title"/>
+          </p:nvPr>
+        </p:nvSpPr>
+        <p:spPr>
+          <a:xfrm>
+            <a:off x="103239" y="530942"/>
+            <a:ext cx="7858004" cy="846239"/>
+          </a:xfrm>
+        </p:spPr>
+        <p:txBody>
+          <a:bodyPr>
+            <a:normAutofit fontScale="90000"/>
+          </a:bodyPr>
+          <a:lstStyle/>
+          <a:p>
+            <a:r>
+              <a:rPr dirty="0">
+                <a:latin typeface="Algerian" panose="04020705040A02060702" pitchFamily="82" charset="0"/>
+              </a:rPr>
+              <a:t>Food Distribution by Zone</a:t>
+            </a:r>
+            <a:r>
+              <a:rPr lang="en-US" dirty="0">
+                <a:latin typeface="Algerian" panose="04020705040A02060702" pitchFamily="82" charset="0"/>
+              </a:rPr>
+              <a:t> IN A MONTH</a:t>
+            </a:r>
+            <a:endParaRPr dirty="0">
+              <a:latin typeface="Algerian" panose="04020705040A02060702" pitchFamily="82" charset="0"/>
+            </a:endParaRPr>
+          </a:p>
+        </p:txBody>
+      </p:sp>
+      <p:sp>
+        <p:nvSpPr>
+          <p:cNvPr id="3" name="Content Placeholder 2"/>
+          <p:cNvSpPr>
+            <a:spLocks noGrp="1"/>
+          </p:cNvSpPr>
+          <p:nvPr>
+            <p:ph idx="1"/>
+          </p:nvPr>
+        </p:nvSpPr>
+        <p:spPr>
+          <a:xfrm>
+            <a:off x="457200" y="4760842"/>
+            <a:ext cx="7116417" cy="1566215"/>
+          </a:xfrm>
+        </p:spPr>
+        <p:txBody>
+          <a:bodyPr>
+            <a:normAutofit/>
+          </a:bodyPr>
+          <a:lstStyle/>
+          <a:p>
+            <a:pPr marL="0" indent="0">
+              <a:buNone/>
+            </a:pPr>
+            <a:endParaRPr sz="1800" dirty="0">
+              <a:latin typeface="Times New Roman" panose="02020603050405020304" pitchFamily="18" charset="0"/>
+              <a:cs typeface="Times New Roman" panose="02020603050405020304" pitchFamily="18" charset="0"/>
+            </a:endParaRPr>
+          </a:p>
+          <a:p>
+            <a:r>
+              <a:rPr sz="1800" dirty="0">
+                <a:latin typeface="Times New Roman" panose="02020603050405020304" pitchFamily="18" charset="0"/>
+                <a:cs typeface="Times New Roman" panose="02020603050405020304" pitchFamily="18" charset="0"/>
+              </a:rPr>
+              <a:t>Insight: </a:t>
+            </a:r>
+            <a:r>
+              <a:rPr lang="en-US" sz="1800" dirty="0">
+                <a:latin typeface="Times New Roman" panose="02020603050405020304" pitchFamily="18" charset="0"/>
+                <a:cs typeface="Times New Roman" panose="02020603050405020304" pitchFamily="18" charset="0"/>
+              </a:rPr>
+              <a:t>I found out that Kakuma one and four get more food and that is  because of their higher population.</a:t>
+            </a:r>
+            <a:endParaRPr sz="1800" dirty="0">
+              <a:latin typeface="Times New Roman" panose="02020603050405020304" pitchFamily="18" charset="0"/>
+              <a:cs typeface="Times New Roman" panose="02020603050405020304" pitchFamily="18" charset="0"/>
+            </a:endParaRPr>
+          </a:p>
+        </p:txBody>
+      </p:sp>
+      <p:pic>
+        <p:nvPicPr>
+          <p:cNvPr id="4" name="Picture 3">
             <a:extLst>
               <a:ext uri="{FF2B5EF4-FFF2-40B4-BE49-F238E27FC236}">
-                <a16:creationId xmlns:a16="http://schemas.microsoft.com/office/drawing/2014/main" id="{EE87D608-7B5C-30F7-609C-061DFB875504}"/>
+                <a16:creationId xmlns:a16="http://schemas.microsoft.com/office/drawing/2014/main" id="{AC9C342E-277A-7D0E-5351-60683FF13B1B}"/>
               </a:ext>
             </a:extLst>
           </p:cNvPr>
-          <p:cNvSpPr>
-            <a:spLocks noGrp="1"/>
-          </p:cNvSpPr>
-          <p:nvPr>
-            <p:ph type="title"/>
-          </p:nvPr>
-        </p:nvSpPr>
-        <p:spPr/>
-        <p:txBody>
-          <a:bodyPr/>
-          <a:lstStyle/>
-          <a:p>
-            <a:r>
-              <a:rPr lang="en-US" dirty="0"/>
-              <a:t>Satisfaction Score</a:t>
-            </a:r>
-          </a:p>
-        </p:txBody>
-      </p:sp>
-      <p:sp>
-        <p:nvSpPr>
-          <p:cNvPr id="3" name="Content Placeholder 2">
-            <a:extLst>
-              <a:ext uri="{FF2B5EF4-FFF2-40B4-BE49-F238E27FC236}">
-                <a16:creationId xmlns:a16="http://schemas.microsoft.com/office/drawing/2014/main" id="{1D026B55-FDD9-6331-D353-28D80663A3B6}"/>
-              </a:ext>
-            </a:extLst>
-          </p:cNvPr>
-          <p:cNvSpPr>
-            <a:spLocks noGrp="1"/>
-          </p:cNvSpPr>
-          <p:nvPr>
-            <p:ph idx="1"/>
-          </p:nvPr>
-        </p:nvSpPr>
-        <p:spPr/>
-        <p:txBody>
-          <a:bodyPr/>
-          <a:lstStyle/>
-          <a:p>
-            <a:r>
-              <a:rPr lang="en-US" dirty="0"/>
-              <a:t>Every individual in Kakuma is 12.8% satisfied with ration.</a:t>
-            </a:r>
-          </a:p>
-          <a:p>
-            <a:r>
-              <a:rPr lang="en-US" dirty="0"/>
-              <a:t> I believe this is due to the meagre food items supplied in the camp and I believe the UN can do better in that breath.</a:t>
-            </a:r>
-          </a:p>
-        </p:txBody>
-      </p:sp>
+          <p:cNvPicPr>
+            <a:picLocks noChangeAspect="1"/>
+          </p:cNvPicPr>
+          <p:nvPr/>
+        </p:nvPicPr>
+        <p:blipFill>
+          <a:blip r:embed="rId2"/>
+          <a:stretch>
+            <a:fillRect/>
+          </a:stretch>
+        </p:blipFill>
+        <p:spPr>
+          <a:xfrm>
+            <a:off x="103240" y="1563330"/>
+            <a:ext cx="8696632" cy="3362632"/>
+          </a:xfrm>
+          <a:prstGeom prst="rect">
+            <a:avLst/>
+          </a:prstGeom>
+        </p:spPr>
+      </p:pic>
     </p:spTree>
-    <p:extLst>
-      <p:ext uri="{BB962C8B-B14F-4D97-AF65-F5344CB8AC3E}">
-        <p14:creationId xmlns:p14="http://schemas.microsoft.com/office/powerpoint/2010/main" val="3701016704"/>
-      </p:ext>
-    </p:extLst>
   </p:cSld>
   <p:clrMapOvr>
     <a:masterClrMapping/>
